--- a/DOCUMENTS/10月27日プレゼン.pptx
+++ b/DOCUMENTS/10月27日プレゼン.pptx
@@ -17,6 +17,7 @@
     <p:sldId id="263" r:id="rId11"/>
     <p:sldId id="261" r:id="rId12"/>
     <p:sldId id="262" r:id="rId13"/>
+    <p:sldId id="268" r:id="rId14"/>
   </p:sldIdLst>
   <p:sldSz cx="9144000" cy="6858000" type="screen4x3"/>
   <p:notesSz cx="6858000" cy="9144000"/>
@@ -315,7 +316,7 @@
           <a:p>
             <a:fld id="{6E118725-2BFC-4C86-A74A-4538B978A8BC}" type="datetimeFigureOut">
               <a:rPr kumimoji="1" lang="ja-JP" altLang="en-US" smtClean="0"/>
-              <a:t>2015/10/26</a:t>
+              <a:t>2015/10/27</a:t>
             </a:fld>
             <a:endParaRPr kumimoji="1" lang="ja-JP" altLang="en-US"/>
           </a:p>
@@ -517,7 +518,7 @@
           <a:p>
             <a:fld id="{6E118725-2BFC-4C86-A74A-4538B978A8BC}" type="datetimeFigureOut">
               <a:rPr kumimoji="1" lang="ja-JP" altLang="en-US" smtClean="0"/>
-              <a:t>2015/10/26</a:t>
+              <a:t>2015/10/27</a:t>
             </a:fld>
             <a:endParaRPr kumimoji="1" lang="ja-JP" altLang="en-US"/>
           </a:p>
@@ -729,7 +730,7 @@
           <a:p>
             <a:fld id="{6E118725-2BFC-4C86-A74A-4538B978A8BC}" type="datetimeFigureOut">
               <a:rPr kumimoji="1" lang="ja-JP" altLang="en-US" smtClean="0"/>
-              <a:t>2015/10/26</a:t>
+              <a:t>2015/10/27</a:t>
             </a:fld>
             <a:endParaRPr kumimoji="1" lang="ja-JP" altLang="en-US"/>
           </a:p>
@@ -931,7 +932,7 @@
           <a:p>
             <a:fld id="{6E118725-2BFC-4C86-A74A-4538B978A8BC}" type="datetimeFigureOut">
               <a:rPr kumimoji="1" lang="ja-JP" altLang="en-US" smtClean="0"/>
-              <a:t>2015/10/26</a:t>
+              <a:t>2015/10/27</a:t>
             </a:fld>
             <a:endParaRPr kumimoji="1" lang="ja-JP" altLang="en-US"/>
           </a:p>
@@ -1177,7 +1178,7 @@
           <a:p>
             <a:fld id="{6E118725-2BFC-4C86-A74A-4538B978A8BC}" type="datetimeFigureOut">
               <a:rPr kumimoji="1" lang="ja-JP" altLang="en-US" smtClean="0"/>
-              <a:t>2015/10/26</a:t>
+              <a:t>2015/10/27</a:t>
             </a:fld>
             <a:endParaRPr kumimoji="1" lang="ja-JP" altLang="en-US"/>
           </a:p>
@@ -1529,7 +1530,7 @@
           <a:p>
             <a:fld id="{6E118725-2BFC-4C86-A74A-4538B978A8BC}" type="datetimeFigureOut">
               <a:rPr kumimoji="1" lang="ja-JP" altLang="en-US" smtClean="0"/>
-              <a:t>2015/10/26</a:t>
+              <a:t>2015/10/27</a:t>
             </a:fld>
             <a:endParaRPr kumimoji="1" lang="ja-JP" altLang="en-US"/>
           </a:p>
@@ -2015,7 +2016,7 @@
           <a:p>
             <a:fld id="{6E118725-2BFC-4C86-A74A-4538B978A8BC}" type="datetimeFigureOut">
               <a:rPr kumimoji="1" lang="ja-JP" altLang="en-US" smtClean="0"/>
-              <a:t>2015/10/26</a:t>
+              <a:t>2015/10/27</a:t>
             </a:fld>
             <a:endParaRPr kumimoji="1" lang="ja-JP" altLang="en-US"/>
           </a:p>
@@ -2133,7 +2134,7 @@
           <a:p>
             <a:fld id="{6E118725-2BFC-4C86-A74A-4538B978A8BC}" type="datetimeFigureOut">
               <a:rPr kumimoji="1" lang="ja-JP" altLang="en-US" smtClean="0"/>
-              <a:t>2015/10/26</a:t>
+              <a:t>2015/10/27</a:t>
             </a:fld>
             <a:endParaRPr kumimoji="1" lang="ja-JP" altLang="en-US"/>
           </a:p>
@@ -2228,7 +2229,7 @@
           <a:p>
             <a:fld id="{6E118725-2BFC-4C86-A74A-4538B978A8BC}" type="datetimeFigureOut">
               <a:rPr kumimoji="1" lang="ja-JP" altLang="en-US" smtClean="0"/>
-              <a:t>2015/10/26</a:t>
+              <a:t>2015/10/27</a:t>
             </a:fld>
             <a:endParaRPr kumimoji="1" lang="ja-JP" altLang="en-US"/>
           </a:p>
@@ -2537,7 +2538,7 @@
           <a:p>
             <a:fld id="{6E118725-2BFC-4C86-A74A-4538B978A8BC}" type="datetimeFigureOut">
               <a:rPr kumimoji="1" lang="ja-JP" altLang="en-US" smtClean="0"/>
-              <a:t>2015/10/26</a:t>
+              <a:t>2015/10/27</a:t>
             </a:fld>
             <a:endParaRPr kumimoji="1" lang="ja-JP" altLang="en-US"/>
           </a:p>
@@ -2790,7 +2791,7 @@
           <a:p>
             <a:fld id="{6E118725-2BFC-4C86-A74A-4538B978A8BC}" type="datetimeFigureOut">
               <a:rPr kumimoji="1" lang="ja-JP" altLang="en-US" smtClean="0"/>
-              <a:t>2015/10/26</a:t>
+              <a:t>2015/10/27</a:t>
             </a:fld>
             <a:endParaRPr kumimoji="1" lang="ja-JP" altLang="en-US"/>
           </a:p>
@@ -3035,7 +3036,7 @@
           <a:p>
             <a:fld id="{6E118725-2BFC-4C86-A74A-4538B978A8BC}" type="datetimeFigureOut">
               <a:rPr kumimoji="1" lang="ja-JP" altLang="en-US" smtClean="0"/>
-              <a:t>2015/10/26</a:t>
+              <a:t>2015/10/27</a:t>
             </a:fld>
             <a:endParaRPr kumimoji="1" lang="ja-JP" altLang="en-US"/>
           </a:p>
@@ -3853,6 +3854,280 @@
 </p:sld>
 </file>
 
+<file path=ppt/slides/slide13.xml><?xml version="1.0" encoding="utf-8"?>
+<p:sld xmlns:a="http://schemas.openxmlformats.org/drawingml/2006/main" xmlns:r="http://schemas.openxmlformats.org/officeDocument/2006/relationships" xmlns:p="http://schemas.openxmlformats.org/presentationml/2006/main">
+  <p:cSld>
+    <p:spTree>
+      <p:nvGrpSpPr>
+        <p:cNvPr id="1" name=""/>
+        <p:cNvGrpSpPr/>
+        <p:nvPr/>
+      </p:nvGrpSpPr>
+      <p:grpSpPr>
+        <a:xfrm>
+          <a:off x="0" y="0"/>
+          <a:ext cx="0" cy="0"/>
+          <a:chOff x="0" y="0"/>
+          <a:chExt cx="0" cy="0"/>
+        </a:xfrm>
+      </p:grpSpPr>
+      <p:sp>
+        <p:nvSpPr>
+          <p:cNvPr id="2" name="タイトル 1"/>
+          <p:cNvSpPr>
+            <a:spLocks noGrp="1"/>
+          </p:cNvSpPr>
+          <p:nvPr>
+            <p:ph type="title"/>
+          </p:nvPr>
+        </p:nvSpPr>
+        <p:spPr>
+          <a:xfrm>
+            <a:off x="457200" y="404664"/>
+            <a:ext cx="8229600" cy="1143000"/>
+          </a:xfrm>
+        </p:spPr>
+        <p:txBody>
+          <a:bodyPr>
+            <a:normAutofit/>
+          </a:bodyPr>
+          <a:lstStyle/>
+          <a:p>
+            <a:r>
+              <a:rPr kumimoji="1" lang="ja-JP" altLang="en-US" dirty="0" smtClean="0">
+                <a:solidFill>
+                  <a:srgbClr val="FF0000"/>
+                </a:solidFill>
+              </a:rPr>
+              <a:t>ご清聴ありがとうございました</a:t>
+            </a:r>
+            <a:endParaRPr kumimoji="1" lang="ja-JP" altLang="en-US" dirty="0">
+              <a:solidFill>
+                <a:srgbClr val="FF0000"/>
+              </a:solidFill>
+            </a:endParaRPr>
+          </a:p>
+        </p:txBody>
+      </p:sp>
+      <p:pic>
+        <p:nvPicPr>
+          <p:cNvPr id="5" name="コンテンツ プレースホルダー 4"/>
+          <p:cNvPicPr>
+            <a:picLocks noGrp="1" noChangeAspect="1"/>
+          </p:cNvPicPr>
+          <p:nvPr>
+            <p:ph idx="1"/>
+          </p:nvPr>
+        </p:nvPicPr>
+        <p:blipFill>
+          <a:blip r:embed="rId2">
+            <a:extLst>
+              <a:ext uri="{28A0092B-C50C-407E-A947-70E740481C1C}">
+                <a14:useLocalDpi xmlns:a14="http://schemas.microsoft.com/office/drawing/2010/main" val="0"/>
+              </a:ext>
+            </a:extLst>
+          </a:blip>
+          <a:stretch>
+            <a:fillRect/>
+          </a:stretch>
+        </p:blipFill>
+        <p:spPr>
+          <a:xfrm>
+            <a:off x="323528" y="1547664"/>
+            <a:ext cx="8496944" cy="5156517"/>
+          </a:xfrm>
+        </p:spPr>
+      </p:pic>
+    </p:spTree>
+    <p:extLst>
+      <p:ext uri="{BB962C8B-B14F-4D97-AF65-F5344CB8AC3E}">
+        <p14:creationId xmlns:p14="http://schemas.microsoft.com/office/powerpoint/2010/main" val="2424703304"/>
+      </p:ext>
+    </p:extLst>
+  </p:cSld>
+  <p:clrMapOvr>
+    <a:masterClrMapping/>
+  </p:clrMapOvr>
+  <p:timing>
+    <p:tnLst>
+      <p:par>
+        <p:cTn id="1" dur="indefinite" restart="never" nodeType="tmRoot">
+          <p:childTnLst>
+            <p:seq concurrent="1" nextAc="seek">
+              <p:cTn id="2" dur="indefinite" nodeType="mainSeq">
+                <p:childTnLst>
+                  <p:par>
+                    <p:cTn id="3" fill="hold">
+                      <p:stCondLst>
+                        <p:cond delay="indefinite"/>
+                      </p:stCondLst>
+                      <p:childTnLst>
+                        <p:par>
+                          <p:cTn id="4" fill="hold">
+                            <p:stCondLst>
+                              <p:cond delay="0"/>
+                            </p:stCondLst>
+                            <p:childTnLst>
+                              <p:par>
+                                <p:cTn id="5" presetID="1" presetClass="entr" presetSubtype="0" fill="hold" grpId="0" nodeType="clickEffect">
+                                  <p:stCondLst>
+                                    <p:cond delay="0"/>
+                                  </p:stCondLst>
+                                  <p:childTnLst>
+                                    <p:set>
+                                      <p:cBhvr>
+                                        <p:cTn id="6" dur="1" fill="hold">
+                                          <p:stCondLst>
+                                            <p:cond delay="0"/>
+                                          </p:stCondLst>
+                                        </p:cTn>
+                                        <p:tgtEl>
+                                          <p:spTgt spid="2"/>
+                                        </p:tgtEl>
+                                        <p:attrNameLst>
+                                          <p:attrName>style.visibility</p:attrName>
+                                        </p:attrNameLst>
+                                      </p:cBhvr>
+                                      <p:to>
+                                        <p:strVal val="visible"/>
+                                      </p:to>
+                                    </p:set>
+                                  </p:childTnLst>
+                                </p:cTn>
+                              </p:par>
+                            </p:childTnLst>
+                          </p:cTn>
+                        </p:par>
+                      </p:childTnLst>
+                    </p:cTn>
+                  </p:par>
+                  <p:par>
+                    <p:cTn id="7" fill="hold">
+                      <p:stCondLst>
+                        <p:cond delay="indefinite"/>
+                      </p:stCondLst>
+                      <p:childTnLst>
+                        <p:par>
+                          <p:cTn id="8" fill="hold">
+                            <p:stCondLst>
+                              <p:cond delay="0"/>
+                            </p:stCondLst>
+                            <p:childTnLst>
+                              <p:par>
+                                <p:cTn id="9" presetID="42" presetClass="entr" presetSubtype="0" fill="hold" nodeType="clickEffect">
+                                  <p:stCondLst>
+                                    <p:cond delay="0"/>
+                                  </p:stCondLst>
+                                  <p:childTnLst>
+                                    <p:set>
+                                      <p:cBhvr>
+                                        <p:cTn id="10" dur="1" fill="hold">
+                                          <p:stCondLst>
+                                            <p:cond delay="0"/>
+                                          </p:stCondLst>
+                                        </p:cTn>
+                                        <p:tgtEl>
+                                          <p:spTgt spid="5"/>
+                                        </p:tgtEl>
+                                        <p:attrNameLst>
+                                          <p:attrName>style.visibility</p:attrName>
+                                        </p:attrNameLst>
+                                      </p:cBhvr>
+                                      <p:to>
+                                        <p:strVal val="visible"/>
+                                      </p:to>
+                                    </p:set>
+                                    <p:animEffect transition="in" filter="fade">
+                                      <p:cBhvr>
+                                        <p:cTn id="11" dur="1000"/>
+                                        <p:tgtEl>
+                                          <p:spTgt spid="5"/>
+                                        </p:tgtEl>
+                                      </p:cBhvr>
+                                    </p:animEffect>
+                                    <p:anim calcmode="lin" valueType="num">
+                                      <p:cBhvr>
+                                        <p:cTn id="12" dur="1000" fill="hold"/>
+                                        <p:tgtEl>
+                                          <p:spTgt spid="5"/>
+                                        </p:tgtEl>
+                                        <p:attrNameLst>
+                                          <p:attrName>ppt_x</p:attrName>
+                                        </p:attrNameLst>
+                                      </p:cBhvr>
+                                      <p:tavLst>
+                                        <p:tav tm="0">
+                                          <p:val>
+                                            <p:strVal val="#ppt_x"/>
+                                          </p:val>
+                                        </p:tav>
+                                        <p:tav tm="100000">
+                                          <p:val>
+                                            <p:strVal val="#ppt_x"/>
+                                          </p:val>
+                                        </p:tav>
+                                      </p:tavLst>
+                                    </p:anim>
+                                    <p:anim calcmode="lin" valueType="num">
+                                      <p:cBhvr>
+                                        <p:cTn id="13" dur="1000" fill="hold"/>
+                                        <p:tgtEl>
+                                          <p:spTgt spid="5"/>
+                                        </p:tgtEl>
+                                        <p:attrNameLst>
+                                          <p:attrName>ppt_y</p:attrName>
+                                        </p:attrNameLst>
+                                      </p:cBhvr>
+                                      <p:tavLst>
+                                        <p:tav tm="0">
+                                          <p:val>
+                                            <p:strVal val="#ppt_y+.1"/>
+                                          </p:val>
+                                        </p:tav>
+                                        <p:tav tm="100000">
+                                          <p:val>
+                                            <p:strVal val="#ppt_y"/>
+                                          </p:val>
+                                        </p:tav>
+                                      </p:tavLst>
+                                    </p:anim>
+                                  </p:childTnLst>
+                                </p:cTn>
+                              </p:par>
+                            </p:childTnLst>
+                          </p:cTn>
+                        </p:par>
+                      </p:childTnLst>
+                    </p:cTn>
+                  </p:par>
+                </p:childTnLst>
+              </p:cTn>
+              <p:prevCondLst>
+                <p:cond evt="onPrev" delay="0">
+                  <p:tgtEl>
+                    <p:sldTgt/>
+                  </p:tgtEl>
+                </p:cond>
+              </p:prevCondLst>
+              <p:nextCondLst>
+                <p:cond evt="onNext" delay="0">
+                  <p:tgtEl>
+                    <p:sldTgt/>
+                  </p:tgtEl>
+                </p:cond>
+              </p:nextCondLst>
+            </p:seq>
+          </p:childTnLst>
+        </p:cTn>
+      </p:par>
+    </p:tnLst>
+    <p:bldLst>
+      <p:bldP spid="2" grpId="0"/>
+    </p:bldLst>
+  </p:timing>
+</p:sld>
+</file>
+
 <file path=ppt/slides/slide2.xml><?xml version="1.0" encoding="utf-8"?>
 <p:sld xmlns:a="http://schemas.openxmlformats.org/drawingml/2006/main" xmlns:r="http://schemas.openxmlformats.org/officeDocument/2006/relationships" xmlns:p="http://schemas.openxmlformats.org/presentationml/2006/main">
   <p:cSld>
@@ -4216,13 +4491,8 @@
             </a:r>
             <a:r>
               <a:rPr kumimoji="1" lang="en-US" altLang="ja-JP" dirty="0" smtClean="0"/>
-              <a:t>(</a:t>
-            </a:r>
-            <a:r>
-              <a:rPr kumimoji="1" lang="en-US" altLang="ja-JP" dirty="0" smtClean="0"/>
-              <a:t>PM,PG)</a:t>
-            </a:r>
-            <a:endParaRPr kumimoji="1" lang="en-US" altLang="ja-JP" dirty="0" smtClean="0"/>
+              <a:t>(PM,PG)</a:t>
+            </a:r>
           </a:p>
           <a:p>
             <a:r>
@@ -4239,13 +4509,8 @@
             </a:r>
             <a:r>
               <a:rPr lang="en-US" altLang="ja-JP" dirty="0" smtClean="0"/>
-              <a:t> </a:t>
-            </a:r>
-            <a:r>
-              <a:rPr lang="en-US" altLang="ja-JP" dirty="0" smtClean="0"/>
-              <a:t>Davis(PG)</a:t>
-            </a:r>
-            <a:endParaRPr lang="en-US" altLang="ja-JP" dirty="0" smtClean="0"/>
+              <a:t> Davis(PG)</a:t>
+            </a:r>
           </a:p>
           <a:p>
             <a:r>
@@ -4264,7 +4529,6 @@
               <a:rPr lang="en-US" altLang="ja-JP" dirty="0" smtClean="0"/>
               <a:t>(PG)</a:t>
             </a:r>
-            <a:endParaRPr lang="en-US" altLang="ja-JP" dirty="0" smtClean="0"/>
           </a:p>
           <a:p>
             <a:r>
@@ -4283,7 +4547,6 @@
               <a:rPr lang="en-US" altLang="ja-JP" dirty="0" smtClean="0"/>
               <a:t>(PG)</a:t>
             </a:r>
-            <a:endParaRPr lang="en-US" altLang="ja-JP" dirty="0" smtClean="0"/>
           </a:p>
           <a:p>
             <a:r>
@@ -4302,7 +4565,6 @@
               <a:rPr kumimoji="1" lang="en-US" altLang="ja-JP" dirty="0" smtClean="0"/>
               <a:t>(PG)</a:t>
             </a:r>
-            <a:endParaRPr kumimoji="1" lang="en-US" altLang="ja-JP" dirty="0" smtClean="0"/>
           </a:p>
           <a:p>
             <a:r>
@@ -4379,11 +4641,7 @@
           <a:p>
             <a:r>
               <a:rPr kumimoji="1" lang="ja-JP" altLang="en-US" dirty="0" smtClean="0"/>
-              <a:t>システム</a:t>
-            </a:r>
-            <a:r>
-              <a:rPr kumimoji="1" lang="ja-JP" altLang="en-US" dirty="0" smtClean="0"/>
-              <a:t>内容</a:t>
+              <a:t>システム内容</a:t>
             </a:r>
             <a:r>
               <a:rPr kumimoji="1" lang="en-US" altLang="ja-JP" dirty="0" smtClean="0"/>

--- a/DOCUMENTS/10月27日プレゼン.pptx
+++ b/DOCUMENTS/10月27日プレゼン.pptx
@@ -7,17 +7,16 @@
   <p:sldIdLst>
     <p:sldId id="256" r:id="rId2"/>
     <p:sldId id="257" r:id="rId3"/>
-    <p:sldId id="258" r:id="rId4"/>
-    <p:sldId id="259" r:id="rId5"/>
-    <p:sldId id="260" r:id="rId6"/>
-    <p:sldId id="265" r:id="rId7"/>
-    <p:sldId id="266" r:id="rId8"/>
-    <p:sldId id="267" r:id="rId9"/>
-    <p:sldId id="264" r:id="rId10"/>
-    <p:sldId id="263" r:id="rId11"/>
-    <p:sldId id="261" r:id="rId12"/>
-    <p:sldId id="262" r:id="rId13"/>
-    <p:sldId id="268" r:id="rId14"/>
+    <p:sldId id="259" r:id="rId4"/>
+    <p:sldId id="260" r:id="rId5"/>
+    <p:sldId id="265" r:id="rId6"/>
+    <p:sldId id="266" r:id="rId7"/>
+    <p:sldId id="267" r:id="rId8"/>
+    <p:sldId id="264" r:id="rId9"/>
+    <p:sldId id="263" r:id="rId10"/>
+    <p:sldId id="261" r:id="rId11"/>
+    <p:sldId id="262" r:id="rId12"/>
+    <p:sldId id="268" r:id="rId13"/>
   </p:sldIdLst>
   <p:sldSz cx="9144000" cy="6858000" type="screen4x3"/>
   <p:notesSz cx="6858000" cy="9144000"/>
@@ -3506,12 +3505,14 @@
         </p:nvSpPr>
         <p:spPr/>
         <p:txBody>
-          <a:bodyPr/>
+          <a:bodyPr>
+            <a:normAutofit/>
+          </a:bodyPr>
           <a:lstStyle/>
           <a:p>
             <a:r>
               <a:rPr lang="ja-JP" altLang="en-US" dirty="0" smtClean="0"/>
-              <a:t>作業環境</a:t>
+              <a:t>開発環境</a:t>
             </a:r>
             <a:endParaRPr kumimoji="1" lang="ja-JP" altLang="en-US" dirty="0"/>
           </a:p>
@@ -3529,52 +3530,56 @@
         </p:nvSpPr>
         <p:spPr/>
         <p:txBody>
-          <a:bodyPr>
-            <a:normAutofit lnSpcReduction="10000"/>
-          </a:bodyPr>
+          <a:bodyPr/>
           <a:lstStyle/>
           <a:p>
             <a:r>
               <a:rPr kumimoji="1" lang="ja-JP" altLang="en-US" dirty="0" smtClean="0"/>
-              <a:t>コミュニケーションツール</a:t>
+              <a:t>開発ツール</a:t>
             </a:r>
             <a:endParaRPr kumimoji="1" lang="en-US" altLang="ja-JP" dirty="0" smtClean="0"/>
           </a:p>
           <a:p>
             <a:pPr lvl="1"/>
             <a:r>
+              <a:rPr lang="en-US" altLang="ja-JP" dirty="0" smtClean="0"/>
+              <a:t>Sublime </a:t>
+            </a:r>
+            <a:r>
               <a:rPr lang="en-US" altLang="ja-JP" dirty="0" err="1" smtClean="0"/>
-              <a:t>Slack,Line,Skype</a:t>
-            </a:r>
-            <a:endParaRPr lang="en-US" altLang="ja-JP" dirty="0"/>
-          </a:p>
-          <a:p>
-            <a:r>
-              <a:rPr kumimoji="1" lang="ja-JP" altLang="en-US" dirty="0" smtClean="0"/>
-              <a:t>スケジュール管理ツール</a:t>
+              <a:t>Text,Atom</a:t>
             </a:r>
             <a:endParaRPr kumimoji="1" lang="en-US" altLang="ja-JP" dirty="0" smtClean="0"/>
           </a:p>
           <a:p>
+            <a:r>
+              <a:rPr lang="ja-JP" altLang="en-US" dirty="0" smtClean="0"/>
+              <a:t>サーバ</a:t>
+            </a:r>
+            <a:endParaRPr lang="en-US" altLang="ja-JP" dirty="0" smtClean="0"/>
+          </a:p>
+          <a:p>
             <a:pPr lvl="1"/>
             <a:r>
-              <a:rPr lang="en-US" altLang="ja-JP" dirty="0" err="1" smtClean="0"/>
-              <a:t>Redmine,Google</a:t>
-            </a:r>
-            <a:r>
-              <a:rPr lang="en-US" altLang="ja-JP" dirty="0"/>
-              <a:t> </a:t>
-            </a:r>
-            <a:r>
-              <a:rPr lang="en-US" altLang="ja-JP" dirty="0" err="1" smtClean="0"/>
-              <a:t>Calender</a:t>
-            </a:r>
-            <a:endParaRPr kumimoji="1" lang="en-US" altLang="ja-JP" dirty="0" smtClean="0"/>
-          </a:p>
-          <a:p>
+              <a:rPr lang="en-US" altLang="ja-JP" dirty="0" smtClean="0"/>
+              <a:t>http://59.106.221.180/</a:t>
+            </a:r>
+          </a:p>
+          <a:p>
+            <a:pPr lvl="1"/>
+            <a:r>
+              <a:rPr lang="en-US" altLang="ja-JP" dirty="0" smtClean="0"/>
+              <a:t>http://athena.e-utopie.org/</a:t>
+            </a:r>
+          </a:p>
+          <a:p>
+            <a:r>
+              <a:rPr lang="en-US" altLang="ja-JP" dirty="0" smtClean="0"/>
+              <a:t>SSH</a:t>
+            </a:r>
             <a:r>
               <a:rPr lang="ja-JP" altLang="en-US" dirty="0" smtClean="0"/>
-              <a:t>バージョン管理ツール</a:t>
+              <a:t>クライアント</a:t>
             </a:r>
             <a:endParaRPr lang="en-US" altLang="ja-JP" dirty="0" smtClean="0"/>
           </a:p>
@@ -3582,32 +3587,7 @@
             <a:pPr lvl="1"/>
             <a:r>
               <a:rPr lang="en-US" altLang="ja-JP" dirty="0" smtClean="0"/>
-              <a:t>GitHub</a:t>
-            </a:r>
-          </a:p>
-          <a:p>
-            <a:pPr lvl="3"/>
-            <a:r>
-              <a:rPr lang="en-US" altLang="ja-JP" dirty="0" smtClean="0"/>
-              <a:t>Source Tree</a:t>
-            </a:r>
-          </a:p>
-          <a:p>
-            <a:r>
-              <a:rPr kumimoji="1" lang="ja-JP" altLang="en-US" dirty="0" smtClean="0"/>
-              <a:t>ファイル共有</a:t>
-            </a:r>
-            <a:r>
-              <a:rPr lang="ja-JP" altLang="en-US" dirty="0" smtClean="0"/>
-              <a:t>ツール</a:t>
-            </a:r>
-            <a:endParaRPr lang="en-US" altLang="ja-JP" dirty="0" smtClean="0"/>
-          </a:p>
-          <a:p>
-            <a:pPr lvl="1"/>
-            <a:r>
-              <a:rPr lang="en-US" altLang="ja-JP" dirty="0" smtClean="0"/>
-              <a:t>Google Drive</a:t>
+              <a:t>Tera Term,</a:t>
             </a:r>
           </a:p>
         </p:txBody>
@@ -3615,7 +3595,7 @@
     </p:spTree>
     <p:extLst>
       <p:ext uri="{BB962C8B-B14F-4D97-AF65-F5344CB8AC3E}">
-        <p14:creationId xmlns:p14="http://schemas.microsoft.com/office/powerpoint/2010/main" val="143234029"/>
+        <p14:creationId xmlns:p14="http://schemas.microsoft.com/office/powerpoint/2010/main" val="2548271465"/>
       </p:ext>
     </p:extLst>
   </p:cSld>
@@ -3661,142 +3641,6 @@
         </p:nvSpPr>
         <p:spPr/>
         <p:txBody>
-          <a:bodyPr>
-            <a:normAutofit/>
-          </a:bodyPr>
-          <a:lstStyle/>
-          <a:p>
-            <a:r>
-              <a:rPr lang="ja-JP" altLang="en-US" dirty="0" smtClean="0"/>
-              <a:t>開発環境</a:t>
-            </a:r>
-            <a:endParaRPr kumimoji="1" lang="ja-JP" altLang="en-US" dirty="0"/>
-          </a:p>
-        </p:txBody>
-      </p:sp>
-      <p:sp>
-        <p:nvSpPr>
-          <p:cNvPr id="3" name="コンテンツ プレースホルダー 2"/>
-          <p:cNvSpPr>
-            <a:spLocks noGrp="1"/>
-          </p:cNvSpPr>
-          <p:nvPr>
-            <p:ph idx="1"/>
-          </p:nvPr>
-        </p:nvSpPr>
-        <p:spPr/>
-        <p:txBody>
-          <a:bodyPr/>
-          <a:lstStyle/>
-          <a:p>
-            <a:r>
-              <a:rPr kumimoji="1" lang="ja-JP" altLang="en-US" dirty="0" smtClean="0"/>
-              <a:t>開発ツール</a:t>
-            </a:r>
-            <a:endParaRPr kumimoji="1" lang="en-US" altLang="ja-JP" dirty="0" smtClean="0"/>
-          </a:p>
-          <a:p>
-            <a:pPr lvl="1"/>
-            <a:r>
-              <a:rPr lang="en-US" altLang="ja-JP" dirty="0" smtClean="0"/>
-              <a:t>Sublime </a:t>
-            </a:r>
-            <a:r>
-              <a:rPr lang="en-US" altLang="ja-JP" dirty="0" err="1" smtClean="0"/>
-              <a:t>Text,Atom</a:t>
-            </a:r>
-            <a:endParaRPr kumimoji="1" lang="en-US" altLang="ja-JP" dirty="0" smtClean="0"/>
-          </a:p>
-          <a:p>
-            <a:r>
-              <a:rPr lang="ja-JP" altLang="en-US" dirty="0" smtClean="0"/>
-              <a:t>サーバ</a:t>
-            </a:r>
-            <a:endParaRPr lang="en-US" altLang="ja-JP" dirty="0" smtClean="0"/>
-          </a:p>
-          <a:p>
-            <a:pPr lvl="1"/>
-            <a:r>
-              <a:rPr lang="en-US" altLang="ja-JP" dirty="0" smtClean="0"/>
-              <a:t>http://59.106.221.180/</a:t>
-            </a:r>
-          </a:p>
-          <a:p>
-            <a:pPr lvl="1"/>
-            <a:r>
-              <a:rPr lang="en-US" altLang="ja-JP" dirty="0" smtClean="0"/>
-              <a:t>http://athena.e-utopie.org/</a:t>
-            </a:r>
-          </a:p>
-          <a:p>
-            <a:r>
-              <a:rPr lang="en-US" altLang="ja-JP" dirty="0" smtClean="0"/>
-              <a:t>SSH</a:t>
-            </a:r>
-            <a:r>
-              <a:rPr lang="ja-JP" altLang="en-US" dirty="0" smtClean="0"/>
-              <a:t>クライアント</a:t>
-            </a:r>
-            <a:endParaRPr lang="en-US" altLang="ja-JP" dirty="0" smtClean="0"/>
-          </a:p>
-          <a:p>
-            <a:pPr lvl="1"/>
-            <a:r>
-              <a:rPr lang="en-US" altLang="ja-JP" dirty="0" smtClean="0"/>
-              <a:t>Tera Term,</a:t>
-            </a:r>
-          </a:p>
-        </p:txBody>
-      </p:sp>
-    </p:spTree>
-    <p:extLst>
-      <p:ext uri="{BB962C8B-B14F-4D97-AF65-F5344CB8AC3E}">
-        <p14:creationId xmlns:p14="http://schemas.microsoft.com/office/powerpoint/2010/main" val="2548271465"/>
-      </p:ext>
-    </p:extLst>
-  </p:cSld>
-  <p:clrMapOvr>
-    <a:masterClrMapping/>
-  </p:clrMapOvr>
-  <p:timing>
-    <p:tnLst>
-      <p:par>
-        <p:cTn id="1" dur="indefinite" restart="never" nodeType="tmRoot"/>
-      </p:par>
-    </p:tnLst>
-  </p:timing>
-</p:sld>
-</file>
-
-<file path=ppt/slides/slide12.xml><?xml version="1.0" encoding="utf-8"?>
-<p:sld xmlns:a="http://schemas.openxmlformats.org/drawingml/2006/main" xmlns:r="http://schemas.openxmlformats.org/officeDocument/2006/relationships" xmlns:p="http://schemas.openxmlformats.org/presentationml/2006/main">
-  <p:cSld>
-    <p:spTree>
-      <p:nvGrpSpPr>
-        <p:cNvPr id="1" name=""/>
-        <p:cNvGrpSpPr/>
-        <p:nvPr/>
-      </p:nvGrpSpPr>
-      <p:grpSpPr>
-        <a:xfrm>
-          <a:off x="0" y="0"/>
-          <a:ext cx="0" cy="0"/>
-          <a:chOff x="0" y="0"/>
-          <a:chExt cx="0" cy="0"/>
-        </a:xfrm>
-      </p:grpSpPr>
-      <p:sp>
-        <p:nvSpPr>
-          <p:cNvPr id="2" name="タイトル 1"/>
-          <p:cNvSpPr>
-            <a:spLocks noGrp="1"/>
-          </p:cNvSpPr>
-          <p:nvPr>
-            <p:ph type="title"/>
-          </p:nvPr>
-        </p:nvSpPr>
-        <p:spPr/>
-        <p:txBody>
           <a:bodyPr/>
           <a:lstStyle/>
           <a:p>
@@ -3854,7 +3698,7 @@
 </p:sld>
 </file>
 
-<file path=ppt/slides/slide13.xml><?xml version="1.0" encoding="utf-8"?>
+<file path=ppt/slides/slide12.xml><?xml version="1.0" encoding="utf-8"?>
 <p:sld xmlns:a="http://schemas.openxmlformats.org/drawingml/2006/main" xmlns:r="http://schemas.openxmlformats.org/officeDocument/2006/relationships" xmlns:p="http://schemas.openxmlformats.org/presentationml/2006/main">
   <p:cSld>
     <p:spTree>
@@ -4244,8 +4088,8 @@
           <a:lstStyle/>
           <a:p>
             <a:r>
-              <a:rPr lang="en-US" altLang="ja-JP" dirty="0" smtClean="0"/>
-              <a:t>Division of roles</a:t>
+              <a:rPr kumimoji="1" lang="ja-JP" altLang="en-US" dirty="0" smtClean="0"/>
+              <a:t>役割分担</a:t>
             </a:r>
             <a:endParaRPr kumimoji="1" lang="ja-JP" altLang="en-US" dirty="0"/>
           </a:p>
@@ -4263,149 +4107,123 @@
         </p:nvSpPr>
         <p:spPr/>
         <p:txBody>
-          <a:bodyPr>
-            <a:normAutofit fontScale="70000" lnSpcReduction="20000"/>
-          </a:bodyPr>
-          <a:lstStyle/>
-          <a:p>
-            <a:r>
-              <a:rPr lang="en-US" altLang="ja-JP" dirty="0" smtClean="0"/>
-              <a:t>CEO:</a:t>
-            </a:r>
-          </a:p>
-          <a:p>
-            <a:pPr lvl="1"/>
-            <a:r>
-              <a:rPr lang="en-US" altLang="ja-JP" dirty="0" err="1" smtClean="0"/>
-              <a:t>Hideyasu</a:t>
-            </a:r>
-            <a:r>
-              <a:rPr lang="en-US" altLang="ja-JP" dirty="0" smtClean="0"/>
-              <a:t> Yamaguchi</a:t>
-            </a:r>
-          </a:p>
-          <a:p>
-            <a:r>
-              <a:rPr lang="en-US" altLang="ja-JP" dirty="0" smtClean="0"/>
-              <a:t>Chairman</a:t>
+          <a:bodyPr/>
+          <a:lstStyle/>
+          <a:p>
+            <a:r>
+              <a:rPr kumimoji="1" lang="ja-JP" altLang="en-US" dirty="0" smtClean="0"/>
+              <a:t>リーダー</a:t>
             </a:r>
             <a:r>
               <a:rPr kumimoji="1" lang="en-US" altLang="ja-JP" dirty="0" smtClean="0"/>
               <a:t>:</a:t>
             </a:r>
-            <a:endParaRPr lang="en-US" altLang="ja-JP" dirty="0"/>
-          </a:p>
-          <a:p>
-            <a:pPr lvl="1"/>
+            <a:r>
+              <a:rPr kumimoji="1" lang="ja-JP" altLang="en-US" dirty="0" smtClean="0"/>
+              <a:t>山口秀康</a:t>
+            </a:r>
+            <a:r>
+              <a:rPr kumimoji="1" lang="en-US" altLang="ja-JP" dirty="0" smtClean="0"/>
+              <a:t>(PM,PG)</a:t>
+            </a:r>
+          </a:p>
+          <a:p>
+            <a:r>
+              <a:rPr lang="ja-JP" altLang="en-US" dirty="0" smtClean="0"/>
+              <a:t>サブリーダー</a:t>
+            </a:r>
             <a:r>
               <a:rPr lang="en-US" altLang="ja-JP" dirty="0" smtClean="0"/>
-              <a:t>D</a:t>
+              <a:t>:</a:t>
+            </a:r>
+            <a:r>
+              <a:rPr lang="en-US" altLang="ja-JP" dirty="0" err="1" smtClean="0"/>
+              <a:t>Kemlers</a:t>
+            </a:r>
+            <a:r>
+              <a:rPr lang="en-US" altLang="ja-JP" dirty="0" smtClean="0"/>
+              <a:t> Davis(PG)</a:t>
+            </a:r>
+          </a:p>
+          <a:p>
+            <a:r>
+              <a:rPr lang="ja-JP" altLang="en-US" dirty="0" smtClean="0"/>
+              <a:t>書記</a:t>
+            </a:r>
+            <a:r>
+              <a:rPr lang="en-US" altLang="ja-JP" dirty="0" smtClean="0"/>
+              <a:t>:</a:t>
+            </a:r>
+            <a:r>
+              <a:rPr lang="ja-JP" altLang="en-US" dirty="0" smtClean="0"/>
+              <a:t>竹添義人</a:t>
+            </a:r>
+            <a:r>
+              <a:rPr lang="en-US" altLang="ja-JP" dirty="0" smtClean="0"/>
+              <a:t>(PG)</a:t>
+            </a:r>
+          </a:p>
+          <a:p>
+            <a:r>
+              <a:rPr lang="ja-JP" altLang="en-US" dirty="0" smtClean="0"/>
+              <a:t>メンバー</a:t>
+            </a:r>
+            <a:r>
+              <a:rPr lang="en-US" altLang="ja-JP" dirty="0" smtClean="0"/>
+              <a:t>:</a:t>
+            </a:r>
+            <a:r>
+              <a:rPr lang="ja-JP" altLang="en-US" dirty="0" smtClean="0"/>
+              <a:t>川村結李</a:t>
+            </a:r>
+            <a:r>
+              <a:rPr lang="en-US" altLang="ja-JP" dirty="0" smtClean="0"/>
+              <a:t>(PG)</a:t>
+            </a:r>
+          </a:p>
+          <a:p>
+            <a:r>
+              <a:rPr kumimoji="1" lang="ja-JP" altLang="en-US" dirty="0" smtClean="0"/>
+              <a:t>メンバー</a:t>
             </a:r>
             <a:r>
               <a:rPr kumimoji="1" lang="en-US" altLang="ja-JP" dirty="0" smtClean="0"/>
-              <a:t>avis </a:t>
-            </a:r>
-            <a:r>
-              <a:rPr lang="en-US" altLang="ja-JP" dirty="0" err="1" smtClean="0"/>
-              <a:t>K</a:t>
-            </a:r>
-            <a:r>
-              <a:rPr kumimoji="1" lang="en-US" altLang="ja-JP" dirty="0" err="1" smtClean="0"/>
-              <a:t>emlers</a:t>
+              <a:t>:</a:t>
+            </a:r>
+            <a:r>
+              <a:rPr kumimoji="1" lang="ja-JP" altLang="en-US" dirty="0" smtClean="0"/>
+              <a:t>山崎隆司</a:t>
+            </a:r>
+            <a:r>
+              <a:rPr kumimoji="1" lang="en-US" altLang="ja-JP" dirty="0" smtClean="0"/>
+              <a:t>(PG)</a:t>
+            </a:r>
+          </a:p>
+          <a:p>
+            <a:r>
+              <a:rPr lang="ja-JP" altLang="en-US" dirty="0" smtClean="0"/>
+              <a:t>メンバー</a:t>
+            </a:r>
+            <a:r>
+              <a:rPr lang="en-US" altLang="ja-JP" dirty="0" smtClean="0"/>
+              <a:t>:</a:t>
+            </a:r>
+            <a:r>
+              <a:rPr lang="ja-JP" altLang="en-US" dirty="0" smtClean="0"/>
+              <a:t>藤本凌</a:t>
+            </a:r>
+            <a:r>
+              <a:rPr lang="en-US" altLang="ja-JP" dirty="0" smtClean="0"/>
+              <a:t>(PG)</a:t>
             </a:r>
             <a:endParaRPr kumimoji="1" lang="en-US" altLang="ja-JP" dirty="0" smtClean="0"/>
-          </a:p>
-          <a:p>
-            <a:r>
-              <a:rPr lang="en-US" altLang="ja-JP" dirty="0" smtClean="0"/>
-              <a:t>CIO:</a:t>
-            </a:r>
-          </a:p>
-          <a:p>
-            <a:pPr lvl="1"/>
-            <a:r>
-              <a:rPr lang="en-US" altLang="ja-JP" dirty="0" err="1" smtClean="0"/>
-              <a:t>Hiroto</a:t>
-            </a:r>
-            <a:r>
-              <a:rPr lang="en-US" altLang="ja-JP" dirty="0" smtClean="0"/>
-              <a:t> </a:t>
-            </a:r>
-            <a:r>
-              <a:rPr lang="en-US" altLang="ja-JP" dirty="0" err="1" smtClean="0"/>
-              <a:t>Takezoe</a:t>
-            </a:r>
-            <a:endParaRPr lang="en-US" altLang="ja-JP" dirty="0" smtClean="0"/>
-          </a:p>
-          <a:p>
-            <a:r>
-              <a:rPr lang="en-US" altLang="ja-JP" dirty="0" err="1" smtClean="0"/>
-              <a:t>Buissiness</a:t>
-            </a:r>
-            <a:r>
-              <a:rPr lang="en-US" altLang="ja-JP" dirty="0" smtClean="0"/>
-              <a:t> Development manager:</a:t>
-            </a:r>
-          </a:p>
-          <a:p>
-            <a:pPr lvl="1"/>
-            <a:r>
-              <a:rPr lang="en-US" altLang="ja-JP" dirty="0" smtClean="0"/>
-              <a:t>Yu-</a:t>
-            </a:r>
-            <a:r>
-              <a:rPr lang="en-US" altLang="ja-JP" dirty="0" err="1" smtClean="0"/>
-              <a:t>ri</a:t>
-            </a:r>
-            <a:r>
-              <a:rPr lang="en-US" altLang="ja-JP" dirty="0" smtClean="0"/>
-              <a:t> Kawamura</a:t>
-            </a:r>
-          </a:p>
-          <a:p>
-            <a:r>
-              <a:rPr kumimoji="1" lang="en-US" altLang="ja-JP" dirty="0" smtClean="0"/>
-              <a:t>Production Manager:</a:t>
-            </a:r>
-          </a:p>
-          <a:p>
-            <a:pPr lvl="1"/>
-            <a:r>
-              <a:rPr kumimoji="1" lang="en-US" altLang="ja-JP" dirty="0" smtClean="0"/>
-              <a:t>Ryuji Yamasaki	</a:t>
-            </a:r>
-          </a:p>
-          <a:p>
-            <a:r>
-              <a:rPr lang="en-US" altLang="ja-JP" dirty="0" err="1" smtClean="0"/>
-              <a:t>Complience</a:t>
-            </a:r>
-            <a:r>
-              <a:rPr lang="en-US" altLang="ja-JP" dirty="0" smtClean="0"/>
-              <a:t> and Governance Manager Contracts Administrator:</a:t>
-            </a:r>
-          </a:p>
-          <a:p>
-            <a:pPr lvl="1"/>
-            <a:r>
-              <a:rPr lang="en-US" altLang="ja-JP" dirty="0" err="1" smtClean="0"/>
-              <a:t>Ryou</a:t>
-            </a:r>
-            <a:r>
-              <a:rPr lang="ja-JP" altLang="en-US" dirty="0" smtClean="0"/>
-              <a:t>　</a:t>
-            </a:r>
-            <a:r>
-              <a:rPr lang="en-US" altLang="ja-JP" dirty="0" smtClean="0"/>
-              <a:t>Fujimoto</a:t>
-            </a:r>
           </a:p>
         </p:txBody>
       </p:sp>
     </p:spTree>
     <p:extLst>
       <p:ext uri="{BB962C8B-B14F-4D97-AF65-F5344CB8AC3E}">
-        <p14:creationId xmlns:p14="http://schemas.microsoft.com/office/powerpoint/2010/main" val="3147737373"/>
+        <p14:creationId xmlns:p14="http://schemas.microsoft.com/office/powerpoint/2010/main" val="911629921"/>
       </p:ext>
     </p:extLst>
   </p:cSld>
@@ -4456,7 +4274,11 @@
           <a:p>
             <a:r>
               <a:rPr kumimoji="1" lang="ja-JP" altLang="en-US" dirty="0" smtClean="0"/>
-              <a:t>役割分担</a:t>
+              <a:t>システム内容</a:t>
+            </a:r>
+            <a:r>
+              <a:rPr kumimoji="1" lang="en-US" altLang="ja-JP" dirty="0" smtClean="0"/>
+              <a:t>(1)</a:t>
             </a:r>
             <a:endParaRPr kumimoji="1" lang="ja-JP" altLang="en-US" dirty="0"/>
           </a:p>
@@ -4474,123 +4296,50 @@
         </p:nvSpPr>
         <p:spPr/>
         <p:txBody>
-          <a:bodyPr/>
-          <a:lstStyle/>
-          <a:p>
-            <a:r>
-              <a:rPr kumimoji="1" lang="ja-JP" altLang="en-US" dirty="0" smtClean="0"/>
-              <a:t>リーダー</a:t>
-            </a:r>
-            <a:r>
-              <a:rPr kumimoji="1" lang="en-US" altLang="ja-JP" dirty="0" smtClean="0"/>
-              <a:t>:</a:t>
-            </a:r>
-            <a:r>
-              <a:rPr kumimoji="1" lang="ja-JP" altLang="en-US" dirty="0" smtClean="0"/>
-              <a:t>山口秀康</a:t>
-            </a:r>
-            <a:r>
-              <a:rPr kumimoji="1" lang="en-US" altLang="ja-JP" dirty="0" smtClean="0"/>
-              <a:t>(PM,PG)</a:t>
-            </a:r>
-          </a:p>
-          <a:p>
-            <a:r>
-              <a:rPr lang="ja-JP" altLang="en-US" dirty="0" smtClean="0"/>
-              <a:t>サブリーダー</a:t>
-            </a:r>
-            <a:r>
-              <a:rPr lang="en-US" altLang="ja-JP" dirty="0" smtClean="0"/>
-              <a:t>:</a:t>
-            </a:r>
-            <a:r>
-              <a:rPr lang="en-US" altLang="ja-JP" dirty="0" err="1" smtClean="0"/>
-              <a:t>Kemlers</a:t>
-            </a:r>
-            <a:r>
-              <a:rPr lang="en-US" altLang="ja-JP" dirty="0" smtClean="0"/>
-              <a:t> Davis(PG)</a:t>
-            </a:r>
-          </a:p>
-          <a:p>
-            <a:r>
-              <a:rPr lang="ja-JP" altLang="en-US" dirty="0" smtClean="0"/>
-              <a:t>書記</a:t>
-            </a:r>
-            <a:r>
-              <a:rPr lang="en-US" altLang="ja-JP" dirty="0" smtClean="0"/>
-              <a:t>:</a:t>
-            </a:r>
-            <a:r>
-              <a:rPr lang="ja-JP" altLang="en-US" dirty="0" smtClean="0"/>
-              <a:t>竹添義人</a:t>
-            </a:r>
-            <a:r>
-              <a:rPr lang="en-US" altLang="ja-JP" dirty="0" smtClean="0"/>
-              <a:t>(PG)</a:t>
-            </a:r>
-          </a:p>
-          <a:p>
-            <a:r>
-              <a:rPr lang="ja-JP" altLang="en-US" dirty="0" smtClean="0"/>
-              <a:t>メンバー</a:t>
-            </a:r>
-            <a:r>
-              <a:rPr lang="en-US" altLang="ja-JP" dirty="0" smtClean="0"/>
-              <a:t>:</a:t>
-            </a:r>
-            <a:r>
-              <a:rPr lang="ja-JP" altLang="en-US" dirty="0" smtClean="0"/>
-              <a:t>川村結李</a:t>
-            </a:r>
-            <a:r>
-              <a:rPr lang="en-US" altLang="ja-JP" dirty="0" smtClean="0"/>
-              <a:t>(PG)</a:t>
-            </a:r>
-          </a:p>
-          <a:p>
-            <a:r>
-              <a:rPr kumimoji="1" lang="ja-JP" altLang="en-US" dirty="0" smtClean="0"/>
-              <a:t>メンバー</a:t>
-            </a:r>
-            <a:r>
-              <a:rPr kumimoji="1" lang="en-US" altLang="ja-JP" dirty="0" smtClean="0"/>
-              <a:t>:</a:t>
-            </a:r>
-            <a:r>
-              <a:rPr kumimoji="1" lang="ja-JP" altLang="en-US" dirty="0" smtClean="0"/>
-              <a:t>山崎隆司</a:t>
-            </a:r>
-            <a:r>
-              <a:rPr kumimoji="1" lang="en-US" altLang="ja-JP" dirty="0" smtClean="0"/>
-              <a:t>(PG)</a:t>
-            </a:r>
-          </a:p>
-          <a:p>
-            <a:r>
-              <a:rPr lang="ja-JP" altLang="en-US" dirty="0" smtClean="0"/>
-              <a:t>メンバー</a:t>
-            </a:r>
-            <a:r>
-              <a:rPr lang="en-US" altLang="ja-JP" dirty="0" smtClean="0"/>
-              <a:t>:</a:t>
-            </a:r>
-            <a:r>
-              <a:rPr lang="ja-JP" altLang="en-US" dirty="0" smtClean="0"/>
-              <a:t>藤本凌</a:t>
-            </a:r>
-            <a:r>
-              <a:rPr lang="en-US" altLang="ja-JP" dirty="0" smtClean="0"/>
-              <a:t>(PG)</a:t>
-            </a:r>
-            <a:endParaRPr kumimoji="1" lang="en-US" altLang="ja-JP" dirty="0" smtClean="0"/>
+          <a:bodyPr>
+            <a:normAutofit/>
+          </a:bodyPr>
+          <a:lstStyle/>
+          <a:p>
+            <a:r>
+              <a:rPr lang="ja-JP" altLang="ja-JP" dirty="0"/>
+              <a:t>書籍の販売を行う</a:t>
+            </a:r>
+            <a:r>
+              <a:rPr lang="en-US" altLang="ja-JP" dirty="0"/>
+              <a:t>OIC-Book</a:t>
+            </a:r>
+            <a:r>
+              <a:rPr lang="ja-JP" altLang="ja-JP" dirty="0"/>
+              <a:t>のオンラインショップを新規に立ち上げる。そのため、取り扱う商品の</a:t>
+            </a:r>
+            <a:r>
+              <a:rPr lang="ja-JP" altLang="ja-JP" dirty="0">
+                <a:solidFill>
+                  <a:srgbClr val="FF0000"/>
+                </a:solidFill>
+              </a:rPr>
+              <a:t>オンラインショップページを開設したい</a:t>
+            </a:r>
+            <a:r>
+              <a:rPr lang="ja-JP" altLang="ja-JP" dirty="0"/>
+              <a:t>と考えている</a:t>
+            </a:r>
+            <a:r>
+              <a:rPr lang="ja-JP" altLang="ja-JP" dirty="0" smtClean="0"/>
+              <a:t>。</a:t>
+            </a:r>
+            <a:endParaRPr lang="ja-JP" altLang="ja-JP" dirty="0"/>
+          </a:p>
+          <a:p>
+            <a:endParaRPr kumimoji="1" lang="ja-JP" altLang="en-US" dirty="0"/>
           </a:p>
         </p:txBody>
       </p:sp>
     </p:spTree>
     <p:extLst>
       <p:ext uri="{BB962C8B-B14F-4D97-AF65-F5344CB8AC3E}">
-        <p14:creationId xmlns:p14="http://schemas.microsoft.com/office/powerpoint/2010/main" val="911629921"/>
+        <p14:creationId xmlns:p14="http://schemas.microsoft.com/office/powerpoint/2010/main" val="4173318891"/>
       </p:ext>
     </p:extLst>
   </p:cSld>
@@ -4645,7 +4394,7 @@
             </a:r>
             <a:r>
               <a:rPr kumimoji="1" lang="en-US" altLang="ja-JP" dirty="0" smtClean="0"/>
-              <a:t>(1)</a:t>
+              <a:t>(2)</a:t>
             </a:r>
             <a:endParaRPr kumimoji="1" lang="ja-JP" altLang="en-US" dirty="0"/>
           </a:p>
@@ -4670,15 +4419,15 @@
           <a:p>
             <a:r>
               <a:rPr lang="ja-JP" altLang="ja-JP" dirty="0"/>
-              <a:t>書籍の販売を行う</a:t>
-            </a:r>
-            <a:r>
-              <a:rPr lang="en-US" altLang="ja-JP" dirty="0"/>
-              <a:t>OIC-Book</a:t>
-            </a:r>
-            <a:r>
-              <a:rPr lang="ja-JP" altLang="ja-JP" dirty="0"/>
-              <a:t>のオンラインショップを新規に立ち上げる。そのため、取り扱う商品の</a:t>
+              <a:t>　購入するお客様には</a:t>
+            </a:r>
+            <a:r>
+              <a:rPr lang="en-US" altLang="ja-JP" dirty="0">
+                <a:solidFill>
+                  <a:srgbClr val="FF0000"/>
+                </a:solidFill>
+              </a:rPr>
+              <a:t>Web</a:t>
             </a:r>
             <a:r>
               <a:rPr lang="ja-JP" altLang="ja-JP" dirty="0">
@@ -4686,27 +4435,92 @@
                   <a:srgbClr val="FF0000"/>
                 </a:solidFill>
               </a:rPr>
-              <a:t>オンラインショップページを開設したい</a:t>
+              <a:t>ページを通じて会員登録</a:t>
             </a:r>
             <a:r>
               <a:rPr lang="ja-JP" altLang="ja-JP" dirty="0"/>
-              <a:t>と考えている</a:t>
+              <a:t>をしていただく必要があり、支払方法としては</a:t>
+            </a:r>
+            <a:r>
+              <a:rPr lang="ja-JP" altLang="ja-JP" dirty="0">
+                <a:solidFill>
+                  <a:srgbClr val="FF0000"/>
+                </a:solidFill>
+              </a:rPr>
+              <a:t>銀行振り込み</a:t>
+            </a:r>
+            <a:r>
+              <a:rPr lang="ja-JP" altLang="ja-JP" dirty="0"/>
+              <a:t>とする。また、</a:t>
+            </a:r>
+            <a:r>
+              <a:rPr lang="ja-JP" altLang="ja-JP" dirty="0">
+                <a:solidFill>
+                  <a:srgbClr val="FF0000"/>
+                </a:solidFill>
+              </a:rPr>
+              <a:t>書籍の仕入は</a:t>
+            </a:r>
+            <a:r>
+              <a:rPr lang="en-US" altLang="ja-JP" dirty="0">
+                <a:solidFill>
+                  <a:srgbClr val="FF0000"/>
+                </a:solidFill>
+              </a:rPr>
+              <a:t>OIC-Book</a:t>
+            </a:r>
+            <a:r>
+              <a:rPr lang="ja-JP" altLang="ja-JP" dirty="0">
+                <a:solidFill>
+                  <a:srgbClr val="FF0000"/>
+                </a:solidFill>
+              </a:rPr>
+              <a:t>の運営者が行う</a:t>
+            </a:r>
+            <a:r>
+              <a:rPr lang="ja-JP" altLang="ja-JP" dirty="0"/>
+              <a:t>が、仕入は随時行われるため</a:t>
+            </a:r>
+            <a:r>
+              <a:rPr lang="ja-JP" altLang="ja-JP" dirty="0">
+                <a:solidFill>
+                  <a:srgbClr val="FF0000"/>
+                </a:solidFill>
+              </a:rPr>
+              <a:t>新規書籍などがなるべく簡単に</a:t>
+            </a:r>
+            <a:r>
+              <a:rPr lang="en-US" altLang="ja-JP" dirty="0">
+                <a:solidFill>
+                  <a:srgbClr val="FF0000"/>
+                </a:solidFill>
+              </a:rPr>
+              <a:t>Web</a:t>
+            </a:r>
+            <a:r>
+              <a:rPr lang="ja-JP" altLang="ja-JP" dirty="0">
+                <a:solidFill>
+                  <a:srgbClr val="FF0000"/>
+                </a:solidFill>
+              </a:rPr>
+              <a:t>ページに追加できる</a:t>
+            </a:r>
+            <a:r>
+              <a:rPr lang="ja-JP" altLang="ja-JP" dirty="0"/>
+              <a:t>ように考えている</a:t>
             </a:r>
             <a:r>
               <a:rPr lang="ja-JP" altLang="ja-JP" dirty="0" smtClean="0"/>
               <a:t>。</a:t>
             </a:r>
             <a:endParaRPr lang="ja-JP" altLang="ja-JP" dirty="0"/>
-          </a:p>
-          <a:p>
-            <a:endParaRPr kumimoji="1" lang="ja-JP" altLang="en-US" dirty="0"/>
           </a:p>
         </p:txBody>
       </p:sp>
     </p:spTree>
     <p:extLst>
       <p:ext uri="{BB962C8B-B14F-4D97-AF65-F5344CB8AC3E}">
-        <p14:creationId xmlns:p14="http://schemas.microsoft.com/office/powerpoint/2010/main" val="4173318891"/>
+        <p14:creationId xmlns:p14="http://schemas.microsoft.com/office/powerpoint/2010/main" val="1957780636"/>
       </p:ext>
     </p:extLst>
   </p:cSld>
@@ -4756,12 +4570,12 @@
           <a:lstStyle/>
           <a:p>
             <a:r>
-              <a:rPr kumimoji="1" lang="ja-JP" altLang="en-US" dirty="0" smtClean="0"/>
+              <a:rPr lang="ja-JP" altLang="en-US" dirty="0" smtClean="0"/>
               <a:t>システム内容</a:t>
             </a:r>
             <a:r>
-              <a:rPr kumimoji="1" lang="en-US" altLang="ja-JP" dirty="0" smtClean="0"/>
-              <a:t>(2)</a:t>
+              <a:rPr lang="en-US" altLang="ja-JP" dirty="0" smtClean="0"/>
+              <a:t>(3)</a:t>
             </a:r>
             <a:endParaRPr kumimoji="1" lang="ja-JP" altLang="en-US" dirty="0"/>
           </a:p>
@@ -4779,22 +4593,12 @@
         </p:nvSpPr>
         <p:spPr/>
         <p:txBody>
-          <a:bodyPr>
-            <a:normAutofit/>
-          </a:bodyPr>
+          <a:bodyPr/>
           <a:lstStyle/>
           <a:p>
             <a:r>
               <a:rPr lang="ja-JP" altLang="ja-JP" dirty="0"/>
-              <a:t>　購入するお客様には</a:t>
-            </a:r>
-            <a:r>
-              <a:rPr lang="en-US" altLang="ja-JP" dirty="0">
-                <a:solidFill>
-                  <a:srgbClr val="FF0000"/>
-                </a:solidFill>
-              </a:rPr>
-              <a:t>Web</a:t>
+              <a:t>　オンラインショップは、</a:t>
             </a:r>
             <a:r>
               <a:rPr lang="ja-JP" altLang="ja-JP" dirty="0">
@@ -4802,11 +4606,11 @@
                   <a:srgbClr val="FF0000"/>
                 </a:solidFill>
               </a:rPr>
-              <a:t>ページを通じて会員登録</a:t>
+              <a:t>初めての試みであるため様々な視点から便利な機能</a:t>
             </a:r>
             <a:r>
               <a:rPr lang="ja-JP" altLang="ja-JP" dirty="0"/>
-              <a:t>をしていただく必要があり、支払方法としては</a:t>
+              <a:t>などを考えていただきたい。また、購入のための</a:t>
             </a:r>
             <a:r>
               <a:rPr lang="ja-JP" altLang="ja-JP" dirty="0">
@@ -4814,80 +4618,22 @@
                   <a:srgbClr val="FF0000"/>
                 </a:solidFill>
               </a:rPr>
-              <a:t>銀行振り込み</a:t>
+              <a:t>お客様用ページと各種情報を管理するための管理者用ページが必要</a:t>
             </a:r>
             <a:r>
               <a:rPr lang="ja-JP" altLang="ja-JP" dirty="0"/>
-              <a:t>とする。また、</a:t>
-            </a:r>
-            <a:r>
-              <a:rPr lang="ja-JP" altLang="ja-JP" dirty="0">
-                <a:solidFill>
-                  <a:srgbClr val="FF0000"/>
-                </a:solidFill>
-              </a:rPr>
-              <a:t>書籍の仕入は</a:t>
-            </a:r>
-            <a:r>
-              <a:rPr lang="en-US" altLang="ja-JP" dirty="0">
-                <a:solidFill>
-                  <a:srgbClr val="FF0000"/>
-                </a:solidFill>
-              </a:rPr>
-              <a:t>OIC-Book</a:t>
-            </a:r>
-            <a:r>
-              <a:rPr lang="ja-JP" altLang="ja-JP" dirty="0">
-                <a:solidFill>
-                  <a:srgbClr val="FF0000"/>
-                </a:solidFill>
-              </a:rPr>
-              <a:t>の運営者が行う</a:t>
-            </a:r>
-            <a:r>
-              <a:rPr lang="ja-JP" altLang="ja-JP" dirty="0"/>
-              <a:t>が、仕入は随時行われるため</a:t>
-            </a:r>
-            <a:r>
-              <a:rPr lang="ja-JP" altLang="ja-JP" dirty="0">
-                <a:solidFill>
-                  <a:srgbClr val="FF0000"/>
-                </a:solidFill>
-              </a:rPr>
-              <a:t>新規書籍などがなるべく簡単に</a:t>
-            </a:r>
-            <a:r>
-              <a:rPr lang="en-US" altLang="ja-JP" dirty="0">
-                <a:solidFill>
-                  <a:srgbClr val="FF0000"/>
-                </a:solidFill>
-              </a:rPr>
-              <a:t>Web</a:t>
-            </a:r>
-            <a:r>
-              <a:rPr lang="ja-JP" altLang="ja-JP" dirty="0">
-                <a:solidFill>
-                  <a:srgbClr val="FF0000"/>
-                </a:solidFill>
-              </a:rPr>
-              <a:t>ページに追加できる</a:t>
-            </a:r>
-            <a:r>
-              <a:rPr lang="ja-JP" altLang="ja-JP" dirty="0"/>
-              <a:t>ように考えている</a:t>
-            </a:r>
-            <a:r>
-              <a:rPr lang="ja-JP" altLang="ja-JP" dirty="0" smtClean="0"/>
-              <a:t>。</a:t>
-            </a:r>
-            <a:endParaRPr lang="ja-JP" altLang="ja-JP" dirty="0"/>
+              <a:t>である。なお、管理者用のページを利用する従業員は複数名いる。</a:t>
+            </a:r>
+          </a:p>
+          <a:p>
+            <a:endParaRPr kumimoji="1" lang="ja-JP" altLang="en-US" dirty="0"/>
           </a:p>
         </p:txBody>
       </p:sp>
     </p:spTree>
     <p:extLst>
       <p:ext uri="{BB962C8B-B14F-4D97-AF65-F5344CB8AC3E}">
-        <p14:creationId xmlns:p14="http://schemas.microsoft.com/office/powerpoint/2010/main" val="1957780636"/>
+        <p14:creationId xmlns:p14="http://schemas.microsoft.com/office/powerpoint/2010/main" val="2206252759"/>
       </p:ext>
     </p:extLst>
   </p:cSld>
@@ -4938,11 +4684,7 @@
           <a:p>
             <a:r>
               <a:rPr lang="ja-JP" altLang="en-US" dirty="0" smtClean="0"/>
-              <a:t>システム内容</a:t>
-            </a:r>
-            <a:r>
-              <a:rPr lang="en-US" altLang="ja-JP" dirty="0" smtClean="0"/>
-              <a:t>(3)</a:t>
+              <a:t>システム内容まとめ</a:t>
             </a:r>
             <a:endParaRPr kumimoji="1" lang="ja-JP" altLang="en-US" dirty="0"/>
           </a:p>
@@ -4960,25 +4702,181 @@
         </p:nvSpPr>
         <p:spPr/>
         <p:txBody>
-          <a:bodyPr/>
-          <a:lstStyle/>
-          <a:p>
-            <a:r>
-              <a:rPr lang="ja-JP" altLang="ja-JP" dirty="0"/>
-              <a:t>　オンラインショップは、</a:t>
-            </a:r>
+          <a:bodyPr>
+            <a:normAutofit fontScale="92500" lnSpcReduction="20000"/>
+          </a:bodyPr>
+          <a:lstStyle/>
+          <a:p>
             <a:r>
               <a:rPr lang="ja-JP" altLang="ja-JP" dirty="0">
                 <a:solidFill>
                   <a:srgbClr val="FF0000"/>
                 </a:solidFill>
               </a:rPr>
-              <a:t>初めての試みであるため様々な視点から便利な機能</a:t>
-            </a:r>
-            <a:r>
-              <a:rPr lang="ja-JP" altLang="ja-JP" dirty="0"/>
-              <a:t>などを考えていただきたい。また、購入のための</a:t>
-            </a:r>
+              <a:t>オンラインショップページを開設</a:t>
+            </a:r>
+            <a:r>
+              <a:rPr lang="ja-JP" altLang="ja-JP" dirty="0" smtClean="0">
+                <a:solidFill>
+                  <a:srgbClr val="FF0000"/>
+                </a:solidFill>
+              </a:rPr>
+              <a:t>したい</a:t>
+            </a:r>
+            <a:endParaRPr lang="en-US" altLang="ja-JP" dirty="0" smtClean="0">
+              <a:solidFill>
+                <a:srgbClr val="FF0000"/>
+              </a:solidFill>
+            </a:endParaRPr>
+          </a:p>
+          <a:p>
+            <a:r>
+              <a:rPr lang="en-US" altLang="ja-JP" dirty="0">
+                <a:solidFill>
+                  <a:srgbClr val="FF0000"/>
+                </a:solidFill>
+              </a:rPr>
+              <a:t>Web</a:t>
+            </a:r>
+            <a:r>
+              <a:rPr lang="ja-JP" altLang="ja-JP" dirty="0">
+                <a:solidFill>
+                  <a:srgbClr val="FF0000"/>
+                </a:solidFill>
+              </a:rPr>
+              <a:t>ページを通じて会員</a:t>
+            </a:r>
+            <a:r>
+              <a:rPr lang="ja-JP" altLang="ja-JP" dirty="0" smtClean="0">
+                <a:solidFill>
+                  <a:srgbClr val="FF0000"/>
+                </a:solidFill>
+              </a:rPr>
+              <a:t>登録</a:t>
+            </a:r>
+            <a:endParaRPr lang="en-US" altLang="ja-JP" dirty="0" smtClean="0">
+              <a:solidFill>
+                <a:srgbClr val="FF0000"/>
+              </a:solidFill>
+            </a:endParaRPr>
+          </a:p>
+          <a:p>
+            <a:r>
+              <a:rPr lang="ja-JP" altLang="ja-JP" dirty="0" smtClean="0">
+                <a:solidFill>
+                  <a:srgbClr val="FF0000"/>
+                </a:solidFill>
+              </a:rPr>
+              <a:t>銀行振り込み</a:t>
+            </a:r>
+            <a:endParaRPr lang="en-US" altLang="ja-JP" dirty="0" smtClean="0">
+              <a:solidFill>
+                <a:srgbClr val="FF0000"/>
+              </a:solidFill>
+            </a:endParaRPr>
+          </a:p>
+          <a:p>
+            <a:r>
+              <a:rPr lang="ja-JP" altLang="ja-JP" dirty="0">
+                <a:solidFill>
+                  <a:srgbClr val="FF0000"/>
+                </a:solidFill>
+              </a:rPr>
+              <a:t>書籍の仕入は</a:t>
+            </a:r>
+            <a:r>
+              <a:rPr lang="en-US" altLang="ja-JP" dirty="0">
+                <a:solidFill>
+                  <a:srgbClr val="FF0000"/>
+                </a:solidFill>
+              </a:rPr>
+              <a:t>OIC-Book</a:t>
+            </a:r>
+            <a:r>
+              <a:rPr lang="ja-JP" altLang="ja-JP" dirty="0">
+                <a:solidFill>
+                  <a:srgbClr val="FF0000"/>
+                </a:solidFill>
+              </a:rPr>
+              <a:t>の運営者が</a:t>
+            </a:r>
+            <a:r>
+              <a:rPr lang="ja-JP" altLang="ja-JP" dirty="0" smtClean="0">
+                <a:solidFill>
+                  <a:srgbClr val="FF0000"/>
+                </a:solidFill>
+              </a:rPr>
+              <a:t>行う</a:t>
+            </a:r>
+            <a:endParaRPr lang="en-US" altLang="ja-JP" dirty="0" smtClean="0">
+              <a:solidFill>
+                <a:srgbClr val="FF0000"/>
+              </a:solidFill>
+            </a:endParaRPr>
+          </a:p>
+          <a:p>
+            <a:r>
+              <a:rPr lang="ja-JP" altLang="ja-JP" dirty="0">
+                <a:solidFill>
+                  <a:srgbClr val="FF0000"/>
+                </a:solidFill>
+              </a:rPr>
+              <a:t>新規書籍などがなるべく簡単に</a:t>
+            </a:r>
+            <a:r>
+              <a:rPr lang="en-US" altLang="ja-JP" dirty="0">
+                <a:solidFill>
+                  <a:srgbClr val="FF0000"/>
+                </a:solidFill>
+              </a:rPr>
+              <a:t>Web</a:t>
+            </a:r>
+            <a:r>
+              <a:rPr lang="ja-JP" altLang="ja-JP" dirty="0">
+                <a:solidFill>
+                  <a:srgbClr val="FF0000"/>
+                </a:solidFill>
+              </a:rPr>
+              <a:t>ページに追加</a:t>
+            </a:r>
+            <a:r>
+              <a:rPr lang="ja-JP" altLang="ja-JP" dirty="0" smtClean="0">
+                <a:solidFill>
+                  <a:srgbClr val="FF0000"/>
+                </a:solidFill>
+              </a:rPr>
+              <a:t>できる</a:t>
+            </a:r>
+            <a:endParaRPr lang="en-US" altLang="ja-JP" dirty="0" smtClean="0">
+              <a:solidFill>
+                <a:srgbClr val="FF0000"/>
+              </a:solidFill>
+            </a:endParaRPr>
+          </a:p>
+          <a:p>
+            <a:r>
+              <a:rPr lang="ja-JP" altLang="ja-JP" dirty="0">
+                <a:solidFill>
+                  <a:srgbClr val="FF0000"/>
+                </a:solidFill>
+              </a:rPr>
+              <a:t>初めての試みであるため様々な視点から便利な</a:t>
+            </a:r>
+            <a:r>
+              <a:rPr lang="ja-JP" altLang="ja-JP" dirty="0" smtClean="0">
+                <a:solidFill>
+                  <a:srgbClr val="FF0000"/>
+                </a:solidFill>
+              </a:rPr>
+              <a:t>機能</a:t>
+            </a:r>
+            <a:endParaRPr lang="en-US" altLang="ja-JP" dirty="0" smtClean="0">
+              <a:solidFill>
+                <a:srgbClr val="FF0000"/>
+              </a:solidFill>
+            </a:endParaRPr>
+          </a:p>
+          <a:p>
             <a:r>
               <a:rPr lang="ja-JP" altLang="ja-JP" dirty="0">
                 <a:solidFill>
@@ -4987,12 +4885,6 @@
               </a:rPr>
               <a:t>お客様用ページと各種情報を管理するための管理者用ページが必要</a:t>
             </a:r>
-            <a:r>
-              <a:rPr lang="ja-JP" altLang="ja-JP" dirty="0"/>
-              <a:t>である。なお、管理者用のページを利用する従業員は複数名いる。</a:t>
-            </a:r>
-          </a:p>
-          <a:p>
             <a:endParaRPr kumimoji="1" lang="ja-JP" altLang="en-US" dirty="0"/>
           </a:p>
         </p:txBody>
@@ -5000,7 +4892,7 @@
     </p:spTree>
     <p:extLst>
       <p:ext uri="{BB962C8B-B14F-4D97-AF65-F5344CB8AC3E}">
-        <p14:creationId xmlns:p14="http://schemas.microsoft.com/office/powerpoint/2010/main" val="2206252759"/>
+        <p14:creationId xmlns:p14="http://schemas.microsoft.com/office/powerpoint/2010/main" val="2481836778"/>
       </p:ext>
     </p:extLst>
   </p:cSld>
@@ -5050,208 +4942,134 @@
           <a:lstStyle/>
           <a:p>
             <a:r>
+              <a:rPr lang="ja-JP" altLang="en-US" dirty="0"/>
+              <a:t>追加</a:t>
+            </a:r>
+            <a:r>
+              <a:rPr kumimoji="1" lang="ja-JP" altLang="en-US" dirty="0" smtClean="0"/>
+              <a:t>内容</a:t>
+            </a:r>
+            <a:endParaRPr kumimoji="1" lang="ja-JP" altLang="en-US" dirty="0"/>
+          </a:p>
+        </p:txBody>
+      </p:sp>
+      <p:sp>
+        <p:nvSpPr>
+          <p:cNvPr id="3" name="コンテンツ プレースホルダー 2"/>
+          <p:cNvSpPr>
+            <a:spLocks noGrp="1"/>
+          </p:cNvSpPr>
+          <p:nvPr>
+            <p:ph idx="1"/>
+          </p:nvPr>
+        </p:nvSpPr>
+        <p:spPr/>
+        <p:txBody>
+          <a:bodyPr>
+            <a:normAutofit fontScale="85000" lnSpcReduction="10000"/>
+          </a:bodyPr>
+          <a:lstStyle/>
+          <a:p>
+            <a:r>
+              <a:rPr lang="ja-JP" altLang="ja-JP" dirty="0"/>
+              <a:t>①　お客様が書籍を様々な視点から検索できるように。</a:t>
+            </a:r>
+          </a:p>
+          <a:p>
+            <a:r>
+              <a:rPr lang="ja-JP" altLang="ja-JP" dirty="0"/>
+              <a:t>②　書籍の購入した場合のポイント制度の導入。</a:t>
+            </a:r>
+          </a:p>
+          <a:p>
+            <a:r>
+              <a:rPr lang="ja-JP" altLang="ja-JP" dirty="0"/>
+              <a:t>③　お客様が人気書籍の情報を見る</a:t>
+            </a:r>
+            <a:r>
+              <a:rPr lang="ja-JP" altLang="ja-JP" dirty="0" smtClean="0"/>
+              <a:t>ため</a:t>
+            </a:r>
+            <a:r>
               <a:rPr lang="ja-JP" altLang="en-US" dirty="0" smtClean="0"/>
-              <a:t>システム内容まとめ</a:t>
-            </a:r>
-            <a:endParaRPr kumimoji="1" lang="ja-JP" altLang="en-US" dirty="0"/>
-          </a:p>
-        </p:txBody>
-      </p:sp>
-      <p:sp>
-        <p:nvSpPr>
-          <p:cNvPr id="3" name="コンテンツ プレースホルダー 2"/>
-          <p:cNvSpPr>
-            <a:spLocks noGrp="1"/>
-          </p:cNvSpPr>
-          <p:nvPr>
-            <p:ph idx="1"/>
-          </p:nvPr>
-        </p:nvSpPr>
-        <p:spPr/>
-        <p:txBody>
-          <a:bodyPr>
-            <a:normAutofit fontScale="92500" lnSpcReduction="20000"/>
-          </a:bodyPr>
-          <a:lstStyle/>
-          <a:p>
-            <a:r>
-              <a:rPr lang="ja-JP" altLang="ja-JP" dirty="0">
-                <a:solidFill>
-                  <a:srgbClr val="FF0000"/>
-                </a:solidFill>
-              </a:rPr>
-              <a:t>オンラインショップページを開設</a:t>
-            </a:r>
-            <a:r>
-              <a:rPr lang="ja-JP" altLang="ja-JP" dirty="0" smtClean="0">
-                <a:solidFill>
-                  <a:srgbClr val="FF0000"/>
-                </a:solidFill>
-              </a:rPr>
-              <a:t>したい</a:t>
-            </a:r>
-            <a:endParaRPr lang="en-US" altLang="ja-JP" dirty="0" smtClean="0">
-              <a:solidFill>
-                <a:srgbClr val="FF0000"/>
-              </a:solidFill>
-            </a:endParaRPr>
-          </a:p>
-          <a:p>
-            <a:r>
-              <a:rPr lang="en-US" altLang="ja-JP" dirty="0">
-                <a:solidFill>
-                  <a:srgbClr val="FF0000"/>
-                </a:solidFill>
-              </a:rPr>
-              <a:t>Web</a:t>
-            </a:r>
-            <a:r>
-              <a:rPr lang="ja-JP" altLang="ja-JP" dirty="0">
-                <a:solidFill>
-                  <a:srgbClr val="FF0000"/>
-                </a:solidFill>
-              </a:rPr>
-              <a:t>ページを通じて会員</a:t>
-            </a:r>
-            <a:r>
-              <a:rPr lang="ja-JP" altLang="ja-JP" dirty="0" smtClean="0">
-                <a:solidFill>
-                  <a:srgbClr val="FF0000"/>
-                </a:solidFill>
-              </a:rPr>
-              <a:t>登録</a:t>
-            </a:r>
-            <a:endParaRPr lang="en-US" altLang="ja-JP" dirty="0" smtClean="0">
-              <a:solidFill>
-                <a:srgbClr val="FF0000"/>
-              </a:solidFill>
-            </a:endParaRPr>
-          </a:p>
-          <a:p>
-            <a:r>
-              <a:rPr lang="ja-JP" altLang="ja-JP" dirty="0" smtClean="0">
-                <a:solidFill>
-                  <a:srgbClr val="FF0000"/>
-                </a:solidFill>
-              </a:rPr>
-              <a:t>銀行振り込み</a:t>
-            </a:r>
-            <a:endParaRPr lang="en-US" altLang="ja-JP" dirty="0" smtClean="0">
-              <a:solidFill>
-                <a:srgbClr val="FF0000"/>
-              </a:solidFill>
-            </a:endParaRPr>
-          </a:p>
-          <a:p>
-            <a:r>
-              <a:rPr lang="ja-JP" altLang="ja-JP" dirty="0">
-                <a:solidFill>
-                  <a:srgbClr val="FF0000"/>
-                </a:solidFill>
-              </a:rPr>
-              <a:t>書籍の仕入は</a:t>
-            </a:r>
-            <a:r>
-              <a:rPr lang="en-US" altLang="ja-JP" dirty="0">
-                <a:solidFill>
-                  <a:srgbClr val="FF0000"/>
-                </a:solidFill>
-              </a:rPr>
-              <a:t>OIC-Book</a:t>
-            </a:r>
-            <a:r>
-              <a:rPr lang="ja-JP" altLang="ja-JP" dirty="0">
-                <a:solidFill>
-                  <a:srgbClr val="FF0000"/>
-                </a:solidFill>
-              </a:rPr>
-              <a:t>の運営者が</a:t>
-            </a:r>
-            <a:r>
-              <a:rPr lang="ja-JP" altLang="ja-JP" dirty="0" smtClean="0">
-                <a:solidFill>
-                  <a:srgbClr val="FF0000"/>
-                </a:solidFill>
-              </a:rPr>
-              <a:t>行う</a:t>
-            </a:r>
-            <a:endParaRPr lang="en-US" altLang="ja-JP" dirty="0" smtClean="0">
-              <a:solidFill>
-                <a:srgbClr val="FF0000"/>
-              </a:solidFill>
-            </a:endParaRPr>
-          </a:p>
-          <a:p>
-            <a:r>
-              <a:rPr lang="ja-JP" altLang="ja-JP" dirty="0">
-                <a:solidFill>
-                  <a:srgbClr val="FF0000"/>
-                </a:solidFill>
-              </a:rPr>
-              <a:t>新規書籍などがなるべく簡単に</a:t>
-            </a:r>
-            <a:r>
-              <a:rPr lang="en-US" altLang="ja-JP" dirty="0">
-                <a:solidFill>
-                  <a:srgbClr val="FF0000"/>
-                </a:solidFill>
-              </a:rPr>
-              <a:t>Web</a:t>
-            </a:r>
-            <a:r>
-              <a:rPr lang="ja-JP" altLang="ja-JP" dirty="0">
-                <a:solidFill>
-                  <a:srgbClr val="FF0000"/>
-                </a:solidFill>
-              </a:rPr>
-              <a:t>ページに追加</a:t>
-            </a:r>
-            <a:r>
-              <a:rPr lang="ja-JP" altLang="ja-JP" dirty="0" smtClean="0">
-                <a:solidFill>
-                  <a:srgbClr val="FF0000"/>
-                </a:solidFill>
-              </a:rPr>
-              <a:t>できる</a:t>
-            </a:r>
-            <a:endParaRPr lang="en-US" altLang="ja-JP" dirty="0" smtClean="0">
-              <a:solidFill>
-                <a:srgbClr val="FF0000"/>
-              </a:solidFill>
-            </a:endParaRPr>
-          </a:p>
-          <a:p>
-            <a:r>
-              <a:rPr lang="ja-JP" altLang="ja-JP" dirty="0">
-                <a:solidFill>
-                  <a:srgbClr val="FF0000"/>
-                </a:solidFill>
-              </a:rPr>
-              <a:t>初めての試みであるため様々な視点から便利な</a:t>
-            </a:r>
-            <a:r>
-              <a:rPr lang="ja-JP" altLang="ja-JP" dirty="0" smtClean="0">
-                <a:solidFill>
-                  <a:srgbClr val="FF0000"/>
-                </a:solidFill>
-              </a:rPr>
-              <a:t>機能</a:t>
-            </a:r>
-            <a:endParaRPr lang="en-US" altLang="ja-JP" dirty="0" smtClean="0">
-              <a:solidFill>
-                <a:srgbClr val="FF0000"/>
-              </a:solidFill>
-            </a:endParaRPr>
-          </a:p>
-          <a:p>
-            <a:r>
-              <a:rPr lang="ja-JP" altLang="ja-JP" dirty="0">
-                <a:solidFill>
-                  <a:srgbClr val="FF0000"/>
-                </a:solidFill>
-              </a:rPr>
-              <a:t>お客様用ページと各種情報を管理するための管理者用ページが必要</a:t>
-            </a:r>
+              <a:t>に</a:t>
+            </a:r>
+            <a:endParaRPr lang="en-US" altLang="ja-JP" dirty="0" smtClean="0"/>
+          </a:p>
+          <a:p>
+            <a:pPr marL="0" indent="0">
+              <a:buNone/>
+            </a:pPr>
+            <a:r>
+              <a:rPr lang="en-US" altLang="ja-JP" dirty="0"/>
+              <a:t>	</a:t>
+            </a:r>
+            <a:r>
+              <a:rPr lang="ja-JP" altLang="ja-JP" dirty="0" smtClean="0"/>
+              <a:t>ランキング</a:t>
+            </a:r>
+            <a:r>
+              <a:rPr lang="ja-JP" altLang="ja-JP" dirty="0"/>
+              <a:t>機能の導入</a:t>
+            </a:r>
+          </a:p>
+          <a:p>
+            <a:r>
+              <a:rPr lang="ja-JP" altLang="ja-JP" dirty="0"/>
+              <a:t>④　書籍購入時に、お客様に購入情報をメール</a:t>
+            </a:r>
+            <a:r>
+              <a:rPr lang="ja-JP" altLang="ja-JP" dirty="0" smtClean="0"/>
+              <a:t>で</a:t>
+            </a:r>
+            <a:endParaRPr lang="en-US" altLang="ja-JP" dirty="0" smtClean="0"/>
+          </a:p>
+          <a:p>
+            <a:pPr marL="0" indent="0">
+              <a:buNone/>
+            </a:pPr>
+            <a:r>
+              <a:rPr lang="en-US" altLang="ja-JP" dirty="0"/>
+              <a:t>	</a:t>
+            </a:r>
+            <a:r>
+              <a:rPr lang="ja-JP" altLang="ja-JP" dirty="0" smtClean="0"/>
+              <a:t>自動</a:t>
+            </a:r>
+            <a:r>
+              <a:rPr lang="ja-JP" altLang="ja-JP" dirty="0"/>
+              <a:t>配信する。</a:t>
+            </a:r>
+          </a:p>
+          <a:p>
+            <a:r>
+              <a:rPr lang="ja-JP" altLang="ja-JP" dirty="0"/>
+              <a:t>⑤　運営者側はイベントなどを不定期に開催する</a:t>
+            </a:r>
+            <a:r>
+              <a:rPr lang="ja-JP" altLang="ja-JP" dirty="0" smtClean="0"/>
+              <a:t>ため</a:t>
+            </a:r>
+            <a:r>
+              <a:rPr lang="en-US" altLang="ja-JP" dirty="0" smtClean="0"/>
+              <a:t>	</a:t>
+            </a:r>
+            <a:r>
+              <a:rPr lang="ja-JP" altLang="ja-JP" dirty="0" smtClean="0"/>
+              <a:t>イベント</a:t>
+            </a:r>
+            <a:r>
+              <a:rPr lang="ja-JP" altLang="ja-JP" dirty="0"/>
+              <a:t>情報などを登録できるように。</a:t>
+            </a:r>
+          </a:p>
+          <a:p>
+            <a:r>
+              <a:rPr lang="ja-JP" altLang="ja-JP" dirty="0"/>
+              <a:t>⑥　運営者が商品情報の更新などができるように。</a:t>
+            </a:r>
+          </a:p>
+          <a:p>
             <a:endParaRPr kumimoji="1" lang="ja-JP" altLang="en-US" dirty="0"/>
           </a:p>
         </p:txBody>
@@ -5259,7 +5077,7 @@
     </p:spTree>
     <p:extLst>
       <p:ext uri="{BB962C8B-B14F-4D97-AF65-F5344CB8AC3E}">
-        <p14:creationId xmlns:p14="http://schemas.microsoft.com/office/powerpoint/2010/main" val="2481836778"/>
+        <p14:creationId xmlns:p14="http://schemas.microsoft.com/office/powerpoint/2010/main" val="1612990535"/>
       </p:ext>
     </p:extLst>
   </p:cSld>
@@ -5309,142 +5127,112 @@
           <a:lstStyle/>
           <a:p>
             <a:r>
-              <a:rPr lang="ja-JP" altLang="en-US" dirty="0"/>
-              <a:t>追加</a:t>
-            </a:r>
+              <a:rPr lang="ja-JP" altLang="en-US" dirty="0" smtClean="0"/>
+              <a:t>作業環境</a:t>
+            </a:r>
+            <a:endParaRPr kumimoji="1" lang="ja-JP" altLang="en-US" dirty="0"/>
+          </a:p>
+        </p:txBody>
+      </p:sp>
+      <p:sp>
+        <p:nvSpPr>
+          <p:cNvPr id="3" name="コンテンツ プレースホルダー 2"/>
+          <p:cNvSpPr>
+            <a:spLocks noGrp="1"/>
+          </p:cNvSpPr>
+          <p:nvPr>
+            <p:ph idx="1"/>
+          </p:nvPr>
+        </p:nvSpPr>
+        <p:spPr/>
+        <p:txBody>
+          <a:bodyPr>
+            <a:normAutofit lnSpcReduction="10000"/>
+          </a:bodyPr>
+          <a:lstStyle/>
+          <a:p>
             <a:r>
               <a:rPr kumimoji="1" lang="ja-JP" altLang="en-US" dirty="0" smtClean="0"/>
-              <a:t>内容</a:t>
-            </a:r>
-            <a:endParaRPr kumimoji="1" lang="ja-JP" altLang="en-US" dirty="0"/>
-          </a:p>
-        </p:txBody>
-      </p:sp>
-      <p:sp>
-        <p:nvSpPr>
-          <p:cNvPr id="3" name="コンテンツ プレースホルダー 2"/>
-          <p:cNvSpPr>
-            <a:spLocks noGrp="1"/>
-          </p:cNvSpPr>
-          <p:nvPr>
-            <p:ph idx="1"/>
-          </p:nvPr>
-        </p:nvSpPr>
-        <p:spPr/>
-        <p:txBody>
-          <a:bodyPr>
-            <a:normAutofit fontScale="85000" lnSpcReduction="10000"/>
-          </a:bodyPr>
-          <a:lstStyle/>
-          <a:p>
-            <a:r>
-              <a:rPr lang="ja-JP" altLang="ja-JP" dirty="0"/>
-              <a:t>①　お客様が書籍を様々な視点から検索できるように。</a:t>
-            </a:r>
-          </a:p>
-          <a:p>
-            <a:r>
-              <a:rPr lang="ja-JP" altLang="ja-JP" dirty="0"/>
-              <a:t>②　書籍の購入した場合のポイント制度の導入。</a:t>
-            </a:r>
-          </a:p>
-          <a:p>
-            <a:r>
-              <a:rPr lang="ja-JP" altLang="ja-JP" dirty="0"/>
-              <a:t>③　お客様が人気書籍の情報を見る</a:t>
-            </a:r>
-            <a:r>
-              <a:rPr lang="ja-JP" altLang="ja-JP" dirty="0" smtClean="0"/>
-              <a:t>ため</a:t>
-            </a:r>
+              <a:t>コミュニケーションツール</a:t>
+            </a:r>
+            <a:endParaRPr kumimoji="1" lang="en-US" altLang="ja-JP" dirty="0" smtClean="0"/>
+          </a:p>
+          <a:p>
+            <a:pPr lvl="1"/>
+            <a:r>
+              <a:rPr lang="en-US" altLang="ja-JP" dirty="0" err="1" smtClean="0"/>
+              <a:t>Slack,Line,Skype</a:t>
+            </a:r>
+            <a:endParaRPr lang="en-US" altLang="ja-JP" dirty="0"/>
+          </a:p>
+          <a:p>
+            <a:r>
+              <a:rPr kumimoji="1" lang="ja-JP" altLang="en-US" dirty="0" smtClean="0"/>
+              <a:t>スケジュール管理ツール</a:t>
+            </a:r>
+            <a:endParaRPr kumimoji="1" lang="en-US" altLang="ja-JP" dirty="0" smtClean="0"/>
+          </a:p>
+          <a:p>
+            <a:pPr lvl="1"/>
+            <a:r>
+              <a:rPr lang="en-US" altLang="ja-JP" dirty="0" err="1" smtClean="0"/>
+              <a:t>Redmine,Google</a:t>
+            </a:r>
+            <a:r>
+              <a:rPr lang="en-US" altLang="ja-JP" dirty="0"/>
+              <a:t> </a:t>
+            </a:r>
+            <a:r>
+              <a:rPr lang="en-US" altLang="ja-JP" dirty="0" err="1" smtClean="0"/>
+              <a:t>Calender</a:t>
+            </a:r>
+            <a:endParaRPr kumimoji="1" lang="en-US" altLang="ja-JP" dirty="0" smtClean="0"/>
+          </a:p>
+          <a:p>
             <a:r>
               <a:rPr lang="ja-JP" altLang="en-US" dirty="0" smtClean="0"/>
-              <a:t>に</a:t>
+              <a:t>バージョン管理ツール</a:t>
             </a:r>
             <a:endParaRPr lang="en-US" altLang="ja-JP" dirty="0" smtClean="0"/>
           </a:p>
           <a:p>
-            <a:pPr marL="0" indent="0">
-              <a:buNone/>
-            </a:pPr>
-            <a:r>
-              <a:rPr lang="en-US" altLang="ja-JP" dirty="0"/>
-              <a:t>	</a:t>
-            </a:r>
-            <a:r>
-              <a:rPr lang="ja-JP" altLang="ja-JP" dirty="0" smtClean="0"/>
-              <a:t>ランキング</a:t>
-            </a:r>
-            <a:r>
-              <a:rPr lang="ja-JP" altLang="ja-JP" dirty="0"/>
-              <a:t>機能の導入</a:t>
-            </a:r>
-          </a:p>
-          <a:p>
-            <a:r>
-              <a:rPr lang="ja-JP" altLang="ja-JP" dirty="0"/>
-              <a:t>④　書籍購入時に、お客様に購入情報をメール</a:t>
-            </a:r>
-            <a:r>
-              <a:rPr lang="ja-JP" altLang="ja-JP" dirty="0" smtClean="0"/>
-              <a:t>で</a:t>
+            <a:pPr lvl="1"/>
+            <a:r>
+              <a:rPr lang="en-US" altLang="ja-JP" dirty="0" smtClean="0"/>
+              <a:t>GitHub</a:t>
+            </a:r>
+          </a:p>
+          <a:p>
+            <a:pPr lvl="3"/>
+            <a:r>
+              <a:rPr lang="en-US" altLang="ja-JP" dirty="0" smtClean="0"/>
+              <a:t>Source Tree</a:t>
+            </a:r>
+          </a:p>
+          <a:p>
+            <a:r>
+              <a:rPr kumimoji="1" lang="ja-JP" altLang="en-US" dirty="0" smtClean="0"/>
+              <a:t>ファイル共有</a:t>
+            </a:r>
+            <a:r>
+              <a:rPr lang="ja-JP" altLang="en-US" dirty="0" smtClean="0"/>
+              <a:t>ツール</a:t>
             </a:r>
             <a:endParaRPr lang="en-US" altLang="ja-JP" dirty="0" smtClean="0"/>
           </a:p>
           <a:p>
-            <a:pPr marL="0" indent="0">
-              <a:buNone/>
-            </a:pPr>
-            <a:r>
-              <a:rPr lang="en-US" altLang="ja-JP" dirty="0"/>
-              <a:t>	</a:t>
-            </a:r>
-            <a:r>
-              <a:rPr lang="ja-JP" altLang="ja-JP" dirty="0" smtClean="0"/>
-              <a:t>自動</a:t>
-            </a:r>
-            <a:r>
-              <a:rPr lang="ja-JP" altLang="ja-JP" dirty="0"/>
-              <a:t>配信する。</a:t>
-            </a:r>
-          </a:p>
-          <a:p>
-            <a:r>
-              <a:rPr lang="ja-JP" altLang="ja-JP" dirty="0"/>
-              <a:t>⑤　運営者側はイベントなどを不定期に開催する</a:t>
-            </a:r>
-            <a:r>
-              <a:rPr lang="ja-JP" altLang="ja-JP" dirty="0" smtClean="0"/>
-              <a:t>ため</a:t>
-            </a:r>
+            <a:pPr lvl="1"/>
             <a:r>
               <a:rPr lang="en-US" altLang="ja-JP" dirty="0" smtClean="0"/>
-              <a:t>	</a:t>
-            </a:r>
-            <a:r>
-              <a:rPr lang="ja-JP" altLang="ja-JP" dirty="0" smtClean="0"/>
-              <a:t>イベント</a:t>
-            </a:r>
-            <a:r>
-              <a:rPr lang="ja-JP" altLang="ja-JP" dirty="0"/>
-              <a:t>情報などを登録できるように。</a:t>
-            </a:r>
-          </a:p>
-          <a:p>
-            <a:r>
-              <a:rPr lang="ja-JP" altLang="ja-JP" dirty="0"/>
-              <a:t>⑥　運営者が商品情報の更新などができるように。</a:t>
-            </a:r>
-          </a:p>
-          <a:p>
-            <a:endParaRPr kumimoji="1" lang="ja-JP" altLang="en-US" dirty="0"/>
+              <a:t>Google Drive</a:t>
+            </a:r>
           </a:p>
         </p:txBody>
       </p:sp>
     </p:spTree>
     <p:extLst>
       <p:ext uri="{BB962C8B-B14F-4D97-AF65-F5344CB8AC3E}">
-        <p14:creationId xmlns:p14="http://schemas.microsoft.com/office/powerpoint/2010/main" val="1612990535"/>
+        <p14:creationId xmlns:p14="http://schemas.microsoft.com/office/powerpoint/2010/main" val="143234029"/>
       </p:ext>
     </p:extLst>
   </p:cSld>
